--- a/cypress.ppt.pptx
+++ b/cypress.ppt.pptx
@@ -4,6 +4,12 @@
   <p:sldMasterIdLst>
     <p:sldMasterId id="2147483696" r:id="rId1"/>
   </p:sldMasterIdLst>
+  <p:notesMasterIdLst>
+    <p:notesMasterId r:id="rId9"/>
+  </p:notesMasterIdLst>
+  <p:handoutMasterIdLst>
+    <p:handoutMasterId r:id="rId10"/>
+  </p:handoutMasterIdLst>
   <p:sldIdLst>
     <p:sldId id="256" r:id="rId2"/>
     <p:sldId id="257" r:id="rId3"/>
@@ -11,6 +17,7 @@
     <p:sldId id="261" r:id="rId5"/>
     <p:sldId id="260" r:id="rId6"/>
     <p:sldId id="259" r:id="rId7"/>
+    <p:sldId id="262" r:id="rId8"/>
   </p:sldIdLst>
   <p:sldSz cx="12192000" cy="6858000"/>
   <p:notesSz cx="6858000" cy="9144000"/>
@@ -117,6 +124,745 @@
 </p:presentation>
 </file>
 
+<file path=ppt/handoutMasters/handoutMaster1.xml><?xml version="1.0" encoding="utf-8"?>
+<p:handoutMaster xmlns:a="http://schemas.openxmlformats.org/drawingml/2006/main" xmlns:r="http://schemas.openxmlformats.org/officeDocument/2006/relationships" xmlns:p="http://schemas.openxmlformats.org/presentationml/2006/main">
+  <p:cSld>
+    <p:bg>
+      <p:bgRef idx="1001">
+        <a:schemeClr val="bg1"/>
+      </p:bgRef>
+    </p:bg>
+    <p:spTree>
+      <p:nvGrpSpPr>
+        <p:cNvPr id="1" name=""/>
+        <p:cNvGrpSpPr/>
+        <p:nvPr/>
+      </p:nvGrpSpPr>
+      <p:grpSpPr>
+        <a:xfrm>
+          <a:off x="0" y="0"/>
+          <a:ext cx="0" cy="0"/>
+          <a:chOff x="0" y="0"/>
+          <a:chExt cx="0" cy="0"/>
+        </a:xfrm>
+      </p:grpSpPr>
+      <p:sp>
+        <p:nvSpPr>
+          <p:cNvPr id="2" name="Header Placeholder 1"/>
+          <p:cNvSpPr>
+            <a:spLocks noGrp="1"/>
+          </p:cNvSpPr>
+          <p:nvPr>
+            <p:ph type="hdr" sz="quarter"/>
+          </p:nvPr>
+        </p:nvSpPr>
+        <p:spPr>
+          <a:xfrm>
+            <a:off x="0" y="0"/>
+            <a:ext cx="2971800" cy="458788"/>
+          </a:xfrm>
+          <a:prstGeom prst="rect">
+            <a:avLst/>
+          </a:prstGeom>
+        </p:spPr>
+        <p:txBody>
+          <a:bodyPr vert="horz" lIns="91440" tIns="45720" rIns="91440" bIns="45720" rtlCol="0"/>
+          <a:lstStyle>
+            <a:lvl1pPr algn="l">
+              <a:defRPr sz="1200"/>
+            </a:lvl1pPr>
+          </a:lstStyle>
+          <a:p>
+            <a:endParaRPr lang="en-US"/>
+          </a:p>
+        </p:txBody>
+      </p:sp>
+      <p:sp>
+        <p:nvSpPr>
+          <p:cNvPr id="3" name="Date Placeholder 2"/>
+          <p:cNvSpPr>
+            <a:spLocks noGrp="1"/>
+          </p:cNvSpPr>
+          <p:nvPr>
+            <p:ph type="dt" sz="quarter" idx="1"/>
+          </p:nvPr>
+        </p:nvSpPr>
+        <p:spPr>
+          <a:xfrm>
+            <a:off x="3884613" y="0"/>
+            <a:ext cx="2971800" cy="458788"/>
+          </a:xfrm>
+          <a:prstGeom prst="rect">
+            <a:avLst/>
+          </a:prstGeom>
+        </p:spPr>
+        <p:txBody>
+          <a:bodyPr vert="horz" lIns="91440" tIns="45720" rIns="91440" bIns="45720" rtlCol="0"/>
+          <a:lstStyle>
+            <a:lvl1pPr algn="r">
+              <a:defRPr sz="1200"/>
+            </a:lvl1pPr>
+          </a:lstStyle>
+          <a:p>
+            <a:fld id="{5CA34F9A-26EE-4D9D-BA71-A6234226A8FC}" type="datetimeFigureOut">
+              <a:rPr lang="en-US" smtClean="0"/>
+              <a:t>8/1/2022</a:t>
+            </a:fld>
+            <a:endParaRPr lang="en-US"/>
+          </a:p>
+        </p:txBody>
+      </p:sp>
+      <p:sp>
+        <p:nvSpPr>
+          <p:cNvPr id="4" name="Footer Placeholder 3"/>
+          <p:cNvSpPr>
+            <a:spLocks noGrp="1"/>
+          </p:cNvSpPr>
+          <p:nvPr>
+            <p:ph type="ftr" sz="quarter" idx="2"/>
+          </p:nvPr>
+        </p:nvSpPr>
+        <p:spPr>
+          <a:xfrm>
+            <a:off x="0" y="8685213"/>
+            <a:ext cx="2971800" cy="458787"/>
+          </a:xfrm>
+          <a:prstGeom prst="rect">
+            <a:avLst/>
+          </a:prstGeom>
+        </p:spPr>
+        <p:txBody>
+          <a:bodyPr vert="horz" lIns="91440" tIns="45720" rIns="91440" bIns="45720" rtlCol="0" anchor="b"/>
+          <a:lstStyle>
+            <a:lvl1pPr algn="l">
+              <a:defRPr sz="1200"/>
+            </a:lvl1pPr>
+          </a:lstStyle>
+          <a:p>
+            <a:r>
+              <a:rPr lang="en-US" smtClean="0"/>
+              <a:t>By Smitha S</a:t>
+            </a:r>
+            <a:endParaRPr lang="en-US"/>
+          </a:p>
+        </p:txBody>
+      </p:sp>
+      <p:sp>
+        <p:nvSpPr>
+          <p:cNvPr id="5" name="Slide Number Placeholder 4"/>
+          <p:cNvSpPr>
+            <a:spLocks noGrp="1"/>
+          </p:cNvSpPr>
+          <p:nvPr>
+            <p:ph type="sldNum" sz="quarter" idx="3"/>
+          </p:nvPr>
+        </p:nvSpPr>
+        <p:spPr>
+          <a:xfrm>
+            <a:off x="3884613" y="8685213"/>
+            <a:ext cx="2971800" cy="458787"/>
+          </a:xfrm>
+          <a:prstGeom prst="rect">
+            <a:avLst/>
+          </a:prstGeom>
+        </p:spPr>
+        <p:txBody>
+          <a:bodyPr vert="horz" lIns="91440" tIns="45720" rIns="91440" bIns="45720" rtlCol="0" anchor="b"/>
+          <a:lstStyle>
+            <a:lvl1pPr algn="r">
+              <a:defRPr sz="1200"/>
+            </a:lvl1pPr>
+          </a:lstStyle>
+          <a:p>
+            <a:fld id="{90136529-B0AE-48C3-94F4-1A8F00D8E5AF}" type="slidenum">
+              <a:rPr lang="en-US" smtClean="0"/>
+              <a:t>‹#›</a:t>
+            </a:fld>
+            <a:endParaRPr lang="en-US"/>
+          </a:p>
+        </p:txBody>
+      </p:sp>
+    </p:spTree>
+    <p:extLst>
+      <p:ext uri="{BB962C8B-B14F-4D97-AF65-F5344CB8AC3E}">
+        <p14:creationId xmlns:p14="http://schemas.microsoft.com/office/powerpoint/2010/main" val="3687586171"/>
+      </p:ext>
+    </p:extLst>
+  </p:cSld>
+  <p:clrMap bg1="lt1" tx1="dk1" bg2="lt2" tx2="dk2" accent1="accent1" accent2="accent2" accent3="accent3" accent4="accent4" accent5="accent5" accent6="accent6" hlink="hlink" folHlink="folHlink"/>
+  <p:hf hdr="0" dt="0"/>
+</p:handoutMaster>
+</file>
+
+<file path=ppt/notesMasters/notesMaster1.xml><?xml version="1.0" encoding="utf-8"?>
+<p:notesMaster xmlns:a="http://schemas.openxmlformats.org/drawingml/2006/main" xmlns:r="http://schemas.openxmlformats.org/officeDocument/2006/relationships" xmlns:p="http://schemas.openxmlformats.org/presentationml/2006/main">
+  <p:cSld>
+    <p:bg>
+      <p:bgRef idx="1001">
+        <a:schemeClr val="bg1"/>
+      </p:bgRef>
+    </p:bg>
+    <p:spTree>
+      <p:nvGrpSpPr>
+        <p:cNvPr id="1" name=""/>
+        <p:cNvGrpSpPr/>
+        <p:nvPr/>
+      </p:nvGrpSpPr>
+      <p:grpSpPr>
+        <a:xfrm>
+          <a:off x="0" y="0"/>
+          <a:ext cx="0" cy="0"/>
+          <a:chOff x="0" y="0"/>
+          <a:chExt cx="0" cy="0"/>
+        </a:xfrm>
+      </p:grpSpPr>
+      <p:sp>
+        <p:nvSpPr>
+          <p:cNvPr id="2" name="Header Placeholder 1"/>
+          <p:cNvSpPr>
+            <a:spLocks noGrp="1"/>
+          </p:cNvSpPr>
+          <p:nvPr>
+            <p:ph type="hdr" sz="quarter"/>
+          </p:nvPr>
+        </p:nvSpPr>
+        <p:spPr>
+          <a:xfrm>
+            <a:off x="0" y="0"/>
+            <a:ext cx="2971800" cy="458788"/>
+          </a:xfrm>
+          <a:prstGeom prst="rect">
+            <a:avLst/>
+          </a:prstGeom>
+        </p:spPr>
+        <p:txBody>
+          <a:bodyPr vert="horz" lIns="91440" tIns="45720" rIns="91440" bIns="45720" rtlCol="0"/>
+          <a:lstStyle>
+            <a:lvl1pPr algn="l">
+              <a:defRPr sz="1200"/>
+            </a:lvl1pPr>
+          </a:lstStyle>
+          <a:p>
+            <a:endParaRPr lang="en-US"/>
+          </a:p>
+        </p:txBody>
+      </p:sp>
+      <p:sp>
+        <p:nvSpPr>
+          <p:cNvPr id="3" name="Date Placeholder 2"/>
+          <p:cNvSpPr>
+            <a:spLocks noGrp="1"/>
+          </p:cNvSpPr>
+          <p:nvPr>
+            <p:ph type="dt" idx="1"/>
+          </p:nvPr>
+        </p:nvSpPr>
+        <p:spPr>
+          <a:xfrm>
+            <a:off x="3884613" y="0"/>
+            <a:ext cx="2971800" cy="458788"/>
+          </a:xfrm>
+          <a:prstGeom prst="rect">
+            <a:avLst/>
+          </a:prstGeom>
+        </p:spPr>
+        <p:txBody>
+          <a:bodyPr vert="horz" lIns="91440" tIns="45720" rIns="91440" bIns="45720" rtlCol="0"/>
+          <a:lstStyle>
+            <a:lvl1pPr algn="r">
+              <a:defRPr sz="1200"/>
+            </a:lvl1pPr>
+          </a:lstStyle>
+          <a:p>
+            <a:fld id="{A6D4B5FA-AF81-425F-B556-76941BE265A0}" type="datetimeFigureOut">
+              <a:rPr lang="en-US" smtClean="0"/>
+              <a:t>8/1/2022</a:t>
+            </a:fld>
+            <a:endParaRPr lang="en-US"/>
+          </a:p>
+        </p:txBody>
+      </p:sp>
+      <p:sp>
+        <p:nvSpPr>
+          <p:cNvPr id="4" name="Slide Image Placeholder 3"/>
+          <p:cNvSpPr>
+            <a:spLocks noGrp="1" noRot="1" noChangeAspect="1"/>
+          </p:cNvSpPr>
+          <p:nvPr>
+            <p:ph type="sldImg" idx="2"/>
+          </p:nvPr>
+        </p:nvSpPr>
+        <p:spPr>
+          <a:xfrm>
+            <a:off x="685800" y="1143000"/>
+            <a:ext cx="5486400" cy="3086100"/>
+          </a:xfrm>
+          <a:prstGeom prst="rect">
+            <a:avLst/>
+          </a:prstGeom>
+          <a:noFill/>
+          <a:ln w="12700">
+            <a:solidFill>
+              <a:prstClr val="black"/>
+            </a:solidFill>
+          </a:ln>
+        </p:spPr>
+        <p:txBody>
+          <a:bodyPr vert="horz" lIns="91440" tIns="45720" rIns="91440" bIns="45720" rtlCol="0" anchor="ctr"/>
+          <a:lstStyle/>
+          <a:p>
+            <a:endParaRPr lang="en-US"/>
+          </a:p>
+        </p:txBody>
+      </p:sp>
+      <p:sp>
+        <p:nvSpPr>
+          <p:cNvPr id="5" name="Notes Placeholder 4"/>
+          <p:cNvSpPr>
+            <a:spLocks noGrp="1"/>
+          </p:cNvSpPr>
+          <p:nvPr>
+            <p:ph type="body" sz="quarter" idx="3"/>
+          </p:nvPr>
+        </p:nvSpPr>
+        <p:spPr>
+          <a:xfrm>
+            <a:off x="685800" y="4400550"/>
+            <a:ext cx="5486400" cy="3600450"/>
+          </a:xfrm>
+          <a:prstGeom prst="rect">
+            <a:avLst/>
+          </a:prstGeom>
+        </p:spPr>
+        <p:txBody>
+          <a:bodyPr vert="horz" lIns="91440" tIns="45720" rIns="91440" bIns="45720" rtlCol="0"/>
+          <a:lstStyle/>
+          <a:p>
+            <a:pPr lvl="0"/>
+            <a:r>
+              <a:rPr lang="en-US" smtClean="0"/>
+              <a:t>Click to edit Master text styles</a:t>
+            </a:r>
+          </a:p>
+          <a:p>
+            <a:pPr lvl="1"/>
+            <a:r>
+              <a:rPr lang="en-US" smtClean="0"/>
+              <a:t>Second level</a:t>
+            </a:r>
+          </a:p>
+          <a:p>
+            <a:pPr lvl="2"/>
+            <a:r>
+              <a:rPr lang="en-US" smtClean="0"/>
+              <a:t>Third level</a:t>
+            </a:r>
+          </a:p>
+          <a:p>
+            <a:pPr lvl="3"/>
+            <a:r>
+              <a:rPr lang="en-US" smtClean="0"/>
+              <a:t>Fourth level</a:t>
+            </a:r>
+          </a:p>
+          <a:p>
+            <a:pPr lvl="4"/>
+            <a:r>
+              <a:rPr lang="en-US" smtClean="0"/>
+              <a:t>Fifth level</a:t>
+            </a:r>
+            <a:endParaRPr lang="en-US"/>
+          </a:p>
+        </p:txBody>
+      </p:sp>
+      <p:sp>
+        <p:nvSpPr>
+          <p:cNvPr id="6" name="Footer Placeholder 5"/>
+          <p:cNvSpPr>
+            <a:spLocks noGrp="1"/>
+          </p:cNvSpPr>
+          <p:nvPr>
+            <p:ph type="ftr" sz="quarter" idx="4"/>
+          </p:nvPr>
+        </p:nvSpPr>
+        <p:spPr>
+          <a:xfrm>
+            <a:off x="0" y="8685213"/>
+            <a:ext cx="2971800" cy="458787"/>
+          </a:xfrm>
+          <a:prstGeom prst="rect">
+            <a:avLst/>
+          </a:prstGeom>
+        </p:spPr>
+        <p:txBody>
+          <a:bodyPr vert="horz" lIns="91440" tIns="45720" rIns="91440" bIns="45720" rtlCol="0" anchor="b"/>
+          <a:lstStyle>
+            <a:lvl1pPr algn="l">
+              <a:defRPr sz="1200"/>
+            </a:lvl1pPr>
+          </a:lstStyle>
+          <a:p>
+            <a:r>
+              <a:rPr lang="en-US" smtClean="0"/>
+              <a:t>By Smitha S</a:t>
+            </a:r>
+            <a:endParaRPr lang="en-US"/>
+          </a:p>
+        </p:txBody>
+      </p:sp>
+      <p:sp>
+        <p:nvSpPr>
+          <p:cNvPr id="7" name="Slide Number Placeholder 6"/>
+          <p:cNvSpPr>
+            <a:spLocks noGrp="1"/>
+          </p:cNvSpPr>
+          <p:nvPr>
+            <p:ph type="sldNum" sz="quarter" idx="5"/>
+          </p:nvPr>
+        </p:nvSpPr>
+        <p:spPr>
+          <a:xfrm>
+            <a:off x="3884613" y="8685213"/>
+            <a:ext cx="2971800" cy="458787"/>
+          </a:xfrm>
+          <a:prstGeom prst="rect">
+            <a:avLst/>
+          </a:prstGeom>
+        </p:spPr>
+        <p:txBody>
+          <a:bodyPr vert="horz" lIns="91440" tIns="45720" rIns="91440" bIns="45720" rtlCol="0" anchor="b"/>
+          <a:lstStyle>
+            <a:lvl1pPr algn="r">
+              <a:defRPr sz="1200"/>
+            </a:lvl1pPr>
+          </a:lstStyle>
+          <a:p>
+            <a:fld id="{9591F0BE-AD31-4569-A8C1-5282C9565AC9}" type="slidenum">
+              <a:rPr lang="en-US" smtClean="0"/>
+              <a:t>‹#›</a:t>
+            </a:fld>
+            <a:endParaRPr lang="en-US"/>
+          </a:p>
+        </p:txBody>
+      </p:sp>
+    </p:spTree>
+    <p:extLst>
+      <p:ext uri="{BB962C8B-B14F-4D97-AF65-F5344CB8AC3E}">
+        <p14:creationId xmlns:p14="http://schemas.microsoft.com/office/powerpoint/2010/main" val="330508839"/>
+      </p:ext>
+    </p:extLst>
+  </p:cSld>
+  <p:clrMap bg1="lt1" tx1="dk1" bg2="lt2" tx2="dk2" accent1="accent1" accent2="accent2" accent3="accent3" accent4="accent4" accent5="accent5" accent6="accent6" hlink="hlink" folHlink="folHlink"/>
+  <p:hf hdr="0" dt="0"/>
+  <p:notesStyle>
+    <a:lvl1pPr marL="0" algn="l" defTabSz="914400" rtl="0" eaLnBrk="1" latinLnBrk="0" hangingPunct="1">
+      <a:defRPr sz="1200" kern="1200">
+        <a:solidFill>
+          <a:schemeClr val="tx1"/>
+        </a:solidFill>
+        <a:latin typeface="+mn-lt"/>
+        <a:ea typeface="+mn-ea"/>
+        <a:cs typeface="+mn-cs"/>
+      </a:defRPr>
+    </a:lvl1pPr>
+    <a:lvl2pPr marL="457200" algn="l" defTabSz="914400" rtl="0" eaLnBrk="1" latinLnBrk="0" hangingPunct="1">
+      <a:defRPr sz="1200" kern="1200">
+        <a:solidFill>
+          <a:schemeClr val="tx1"/>
+        </a:solidFill>
+        <a:latin typeface="+mn-lt"/>
+        <a:ea typeface="+mn-ea"/>
+        <a:cs typeface="+mn-cs"/>
+      </a:defRPr>
+    </a:lvl2pPr>
+    <a:lvl3pPr marL="914400" algn="l" defTabSz="914400" rtl="0" eaLnBrk="1" latinLnBrk="0" hangingPunct="1">
+      <a:defRPr sz="1200" kern="1200">
+        <a:solidFill>
+          <a:schemeClr val="tx1"/>
+        </a:solidFill>
+        <a:latin typeface="+mn-lt"/>
+        <a:ea typeface="+mn-ea"/>
+        <a:cs typeface="+mn-cs"/>
+      </a:defRPr>
+    </a:lvl3pPr>
+    <a:lvl4pPr marL="1371600" algn="l" defTabSz="914400" rtl="0" eaLnBrk="1" latinLnBrk="0" hangingPunct="1">
+      <a:defRPr sz="1200" kern="1200">
+        <a:solidFill>
+          <a:schemeClr val="tx1"/>
+        </a:solidFill>
+        <a:latin typeface="+mn-lt"/>
+        <a:ea typeface="+mn-ea"/>
+        <a:cs typeface="+mn-cs"/>
+      </a:defRPr>
+    </a:lvl4pPr>
+    <a:lvl5pPr marL="1828800" algn="l" defTabSz="914400" rtl="0" eaLnBrk="1" latinLnBrk="0" hangingPunct="1">
+      <a:defRPr sz="1200" kern="1200">
+        <a:solidFill>
+          <a:schemeClr val="tx1"/>
+        </a:solidFill>
+        <a:latin typeface="+mn-lt"/>
+        <a:ea typeface="+mn-ea"/>
+        <a:cs typeface="+mn-cs"/>
+      </a:defRPr>
+    </a:lvl5pPr>
+    <a:lvl6pPr marL="2286000" algn="l" defTabSz="914400" rtl="0" eaLnBrk="1" latinLnBrk="0" hangingPunct="1">
+      <a:defRPr sz="1200" kern="1200">
+        <a:solidFill>
+          <a:schemeClr val="tx1"/>
+        </a:solidFill>
+        <a:latin typeface="+mn-lt"/>
+        <a:ea typeface="+mn-ea"/>
+        <a:cs typeface="+mn-cs"/>
+      </a:defRPr>
+    </a:lvl6pPr>
+    <a:lvl7pPr marL="2743200" algn="l" defTabSz="914400" rtl="0" eaLnBrk="1" latinLnBrk="0" hangingPunct="1">
+      <a:defRPr sz="1200" kern="1200">
+        <a:solidFill>
+          <a:schemeClr val="tx1"/>
+        </a:solidFill>
+        <a:latin typeface="+mn-lt"/>
+        <a:ea typeface="+mn-ea"/>
+        <a:cs typeface="+mn-cs"/>
+      </a:defRPr>
+    </a:lvl7pPr>
+    <a:lvl8pPr marL="3200400" algn="l" defTabSz="914400" rtl="0" eaLnBrk="1" latinLnBrk="0" hangingPunct="1">
+      <a:defRPr sz="1200" kern="1200">
+        <a:solidFill>
+          <a:schemeClr val="tx1"/>
+        </a:solidFill>
+        <a:latin typeface="+mn-lt"/>
+        <a:ea typeface="+mn-ea"/>
+        <a:cs typeface="+mn-cs"/>
+      </a:defRPr>
+    </a:lvl8pPr>
+    <a:lvl9pPr marL="3657600" algn="l" defTabSz="914400" rtl="0" eaLnBrk="1" latinLnBrk="0" hangingPunct="1">
+      <a:defRPr sz="1200" kern="1200">
+        <a:solidFill>
+          <a:schemeClr val="tx1"/>
+        </a:solidFill>
+        <a:latin typeface="+mn-lt"/>
+        <a:ea typeface="+mn-ea"/>
+        <a:cs typeface="+mn-cs"/>
+      </a:defRPr>
+    </a:lvl9pPr>
+  </p:notesStyle>
+</p:notesMaster>
+</file>
+
+<file path=ppt/notesSlides/notesSlide1.xml><?xml version="1.0" encoding="utf-8"?>
+<p:notes xmlns:a="http://schemas.openxmlformats.org/drawingml/2006/main" xmlns:r="http://schemas.openxmlformats.org/officeDocument/2006/relationships" xmlns:p="http://schemas.openxmlformats.org/presentationml/2006/main">
+  <p:cSld>
+    <p:spTree>
+      <p:nvGrpSpPr>
+        <p:cNvPr id="1" name=""/>
+        <p:cNvGrpSpPr/>
+        <p:nvPr/>
+      </p:nvGrpSpPr>
+      <p:grpSpPr>
+        <a:xfrm>
+          <a:off x="0" y="0"/>
+          <a:ext cx="0" cy="0"/>
+          <a:chOff x="0" y="0"/>
+          <a:chExt cx="0" cy="0"/>
+        </a:xfrm>
+      </p:grpSpPr>
+      <p:sp>
+        <p:nvSpPr>
+          <p:cNvPr id="2" name="Slide Image Placeholder 1"/>
+          <p:cNvSpPr>
+            <a:spLocks noGrp="1" noRot="1" noChangeAspect="1"/>
+          </p:cNvSpPr>
+          <p:nvPr>
+            <p:ph type="sldImg"/>
+          </p:nvPr>
+        </p:nvSpPr>
+        <p:spPr/>
+      </p:sp>
+      <p:sp>
+        <p:nvSpPr>
+          <p:cNvPr id="3" name="Notes Placeholder 2"/>
+          <p:cNvSpPr>
+            <a:spLocks noGrp="1"/>
+          </p:cNvSpPr>
+          <p:nvPr>
+            <p:ph type="body" idx="1"/>
+          </p:nvPr>
+        </p:nvSpPr>
+        <p:spPr/>
+        <p:txBody>
+          <a:bodyPr/>
+          <a:lstStyle/>
+          <a:p>
+            <a:endParaRPr lang="en-US"/>
+          </a:p>
+        </p:txBody>
+      </p:sp>
+      <p:sp>
+        <p:nvSpPr>
+          <p:cNvPr id="4" name="Slide Number Placeholder 3"/>
+          <p:cNvSpPr>
+            <a:spLocks noGrp="1"/>
+          </p:cNvSpPr>
+          <p:nvPr>
+            <p:ph type="sldNum" sz="quarter" idx="10"/>
+          </p:nvPr>
+        </p:nvSpPr>
+        <p:spPr/>
+        <p:txBody>
+          <a:bodyPr/>
+          <a:lstStyle/>
+          <a:p>
+            <a:fld id="{9591F0BE-AD31-4569-A8C1-5282C9565AC9}" type="slidenum">
+              <a:rPr lang="en-US" smtClean="0"/>
+              <a:t>1</a:t>
+            </a:fld>
+            <a:endParaRPr lang="en-US"/>
+          </a:p>
+        </p:txBody>
+      </p:sp>
+      <p:sp>
+        <p:nvSpPr>
+          <p:cNvPr id="5" name="Footer Placeholder 4"/>
+          <p:cNvSpPr>
+            <a:spLocks noGrp="1"/>
+          </p:cNvSpPr>
+          <p:nvPr>
+            <p:ph type="ftr" sz="quarter" idx="11"/>
+          </p:nvPr>
+        </p:nvSpPr>
+        <p:spPr/>
+        <p:txBody>
+          <a:bodyPr/>
+          <a:lstStyle/>
+          <a:p>
+            <a:r>
+              <a:rPr lang="en-US" smtClean="0"/>
+              <a:t>By Smitha S</a:t>
+            </a:r>
+            <a:endParaRPr lang="en-US"/>
+          </a:p>
+        </p:txBody>
+      </p:sp>
+    </p:spTree>
+    <p:extLst>
+      <p:ext uri="{BB962C8B-B14F-4D97-AF65-F5344CB8AC3E}">
+        <p14:creationId xmlns:p14="http://schemas.microsoft.com/office/powerpoint/2010/main" val="2401725397"/>
+      </p:ext>
+    </p:extLst>
+  </p:cSld>
+  <p:clrMapOvr>
+    <a:masterClrMapping/>
+  </p:clrMapOvr>
+</p:notes>
+</file>
+
+<file path=ppt/notesSlides/notesSlide2.xml><?xml version="1.0" encoding="utf-8"?>
+<p:notes xmlns:a="http://schemas.openxmlformats.org/drawingml/2006/main" xmlns:r="http://schemas.openxmlformats.org/officeDocument/2006/relationships" xmlns:p="http://schemas.openxmlformats.org/presentationml/2006/main">
+  <p:cSld>
+    <p:spTree>
+      <p:nvGrpSpPr>
+        <p:cNvPr id="1" name=""/>
+        <p:cNvGrpSpPr/>
+        <p:nvPr/>
+      </p:nvGrpSpPr>
+      <p:grpSpPr>
+        <a:xfrm>
+          <a:off x="0" y="0"/>
+          <a:ext cx="0" cy="0"/>
+          <a:chOff x="0" y="0"/>
+          <a:chExt cx="0" cy="0"/>
+        </a:xfrm>
+      </p:grpSpPr>
+      <p:sp>
+        <p:nvSpPr>
+          <p:cNvPr id="2" name="Slide Image Placeholder 1"/>
+          <p:cNvSpPr>
+            <a:spLocks noGrp="1" noRot="1" noChangeAspect="1"/>
+          </p:cNvSpPr>
+          <p:nvPr>
+            <p:ph type="sldImg"/>
+          </p:nvPr>
+        </p:nvSpPr>
+        <p:spPr/>
+      </p:sp>
+      <p:sp>
+        <p:nvSpPr>
+          <p:cNvPr id="3" name="Notes Placeholder 2"/>
+          <p:cNvSpPr>
+            <a:spLocks noGrp="1"/>
+          </p:cNvSpPr>
+          <p:nvPr>
+            <p:ph type="body" idx="1"/>
+          </p:nvPr>
+        </p:nvSpPr>
+        <p:spPr/>
+        <p:txBody>
+          <a:bodyPr/>
+          <a:lstStyle/>
+          <a:p>
+            <a:endParaRPr lang="en-US" dirty="0"/>
+          </a:p>
+        </p:txBody>
+      </p:sp>
+      <p:sp>
+        <p:nvSpPr>
+          <p:cNvPr id="4" name="Footer Placeholder 3"/>
+          <p:cNvSpPr>
+            <a:spLocks noGrp="1"/>
+          </p:cNvSpPr>
+          <p:nvPr>
+            <p:ph type="ftr" sz="quarter" idx="10"/>
+          </p:nvPr>
+        </p:nvSpPr>
+        <p:spPr/>
+        <p:txBody>
+          <a:bodyPr/>
+          <a:lstStyle/>
+          <a:p>
+            <a:r>
+              <a:rPr lang="en-US" smtClean="0"/>
+              <a:t>By Smitha S</a:t>
+            </a:r>
+            <a:endParaRPr lang="en-US"/>
+          </a:p>
+        </p:txBody>
+      </p:sp>
+      <p:sp>
+        <p:nvSpPr>
+          <p:cNvPr id="5" name="Slide Number Placeholder 4"/>
+          <p:cNvSpPr>
+            <a:spLocks noGrp="1"/>
+          </p:cNvSpPr>
+          <p:nvPr>
+            <p:ph type="sldNum" sz="quarter" idx="11"/>
+          </p:nvPr>
+        </p:nvSpPr>
+        <p:spPr/>
+        <p:txBody>
+          <a:bodyPr/>
+          <a:lstStyle/>
+          <a:p>
+            <a:fld id="{9591F0BE-AD31-4569-A8C1-5282C9565AC9}" type="slidenum">
+              <a:rPr lang="en-US" smtClean="0"/>
+              <a:t>7</a:t>
+            </a:fld>
+            <a:endParaRPr lang="en-US"/>
+          </a:p>
+        </p:txBody>
+      </p:sp>
+    </p:spTree>
+    <p:extLst>
+      <p:ext uri="{BB962C8B-B14F-4D97-AF65-F5344CB8AC3E}">
+        <p14:creationId xmlns:p14="http://schemas.microsoft.com/office/powerpoint/2010/main" val="2551620023"/>
+      </p:ext>
+    </p:extLst>
+  </p:cSld>
+  <p:clrMapOvr>
+    <a:masterClrMapping/>
+  </p:clrMapOvr>
+</p:notes>
+</file>
+
 <file path=ppt/slideLayouts/slideLayout1.xml><?xml version="1.0" encoding="utf-8"?>
 <p:sldLayout xmlns:a="http://schemas.openxmlformats.org/drawingml/2006/main" xmlns:r="http://schemas.openxmlformats.org/officeDocument/2006/relationships" xmlns:p="http://schemas.openxmlformats.org/presentationml/2006/main" type="title" preserve="1">
   <p:cSld name="Title Slide">
@@ -344,9 +1090,9 @@
           <a:bodyPr/>
           <a:lstStyle/>
           <a:p>
-            <a:fld id="{854D9A68-EE66-42B6-9D11-73B8F04B07BD}" type="datetimeFigureOut">
-              <a:rPr lang="en-US" smtClean="0"/>
-              <a:t>7/25/2022</a:t>
+            <a:fld id="{B3464746-25D8-4575-BF52-86BCBAC9F106}" type="datetime1">
+              <a:rPr lang="en-US" smtClean="0"/>
+              <a:t>8/1/2022</a:t>
             </a:fld>
             <a:endParaRPr lang="en-US"/>
           </a:p>
@@ -372,6 +1118,10 @@
           <a:bodyPr/>
           <a:lstStyle/>
           <a:p>
+            <a:r>
+              <a:rPr lang="en-US" smtClean="0"/>
+              <a:t>By Smitha S</a:t>
+            </a:r>
             <a:endParaRPr lang="en-US"/>
           </a:p>
         </p:txBody>
@@ -678,9 +1428,9 @@
           <a:bodyPr/>
           <a:lstStyle/>
           <a:p>
-            <a:fld id="{854D9A68-EE66-42B6-9D11-73B8F04B07BD}" type="datetimeFigureOut">
-              <a:rPr lang="en-US" smtClean="0"/>
-              <a:t>7/25/2022</a:t>
+            <a:fld id="{548E713E-7CDD-4E6C-9A2D-C77D7B88CDB5}" type="datetime1">
+              <a:rPr lang="en-US" smtClean="0"/>
+              <a:t>8/1/2022</a:t>
             </a:fld>
             <a:endParaRPr lang="en-US"/>
           </a:p>
@@ -701,6 +1451,10 @@
           <a:bodyPr/>
           <a:lstStyle/>
           <a:p>
+            <a:r>
+              <a:rPr lang="en-US" smtClean="0"/>
+              <a:t>By Smitha S</a:t>
+            </a:r>
             <a:endParaRPr lang="en-US"/>
           </a:p>
         </p:txBody>
@@ -956,9 +1710,9 @@
           <a:bodyPr/>
           <a:lstStyle/>
           <a:p>
-            <a:fld id="{854D9A68-EE66-42B6-9D11-73B8F04B07BD}" type="datetimeFigureOut">
-              <a:rPr lang="en-US" smtClean="0"/>
-              <a:t>7/25/2022</a:t>
+            <a:fld id="{E92EEB39-B64E-4168-871F-D152963126E6}" type="datetime1">
+              <a:rPr lang="en-US" smtClean="0"/>
+              <a:t>8/1/2022</a:t>
             </a:fld>
             <a:endParaRPr lang="en-US"/>
           </a:p>
@@ -979,6 +1733,10 @@
           <a:bodyPr/>
           <a:lstStyle/>
           <a:p>
+            <a:r>
+              <a:rPr lang="en-US" smtClean="0"/>
+              <a:t>By Smitha S</a:t>
+            </a:r>
             <a:endParaRPr lang="en-US"/>
           </a:p>
         </p:txBody>
@@ -1524,9 +2282,9 @@
           <a:bodyPr/>
           <a:lstStyle/>
           <a:p>
-            <a:fld id="{854D9A68-EE66-42B6-9D11-73B8F04B07BD}" type="datetimeFigureOut">
-              <a:rPr lang="en-US" smtClean="0"/>
-              <a:t>7/25/2022</a:t>
+            <a:fld id="{8C80D931-5976-4E58-B88E-EC3EB8B9C088}" type="datetime1">
+              <a:rPr lang="en-US" smtClean="0"/>
+              <a:t>8/1/2022</a:t>
             </a:fld>
             <a:endParaRPr lang="en-US"/>
           </a:p>
@@ -1547,6 +2305,10 @@
           <a:bodyPr/>
           <a:lstStyle/>
           <a:p>
+            <a:r>
+              <a:rPr lang="en-US" smtClean="0"/>
+              <a:t>By Smitha S</a:t>
+            </a:r>
             <a:endParaRPr lang="en-US"/>
           </a:p>
         </p:txBody>
@@ -1802,9 +2564,9 @@
           <a:bodyPr/>
           <a:lstStyle/>
           <a:p>
-            <a:fld id="{854D9A68-EE66-42B6-9D11-73B8F04B07BD}" type="datetimeFigureOut">
-              <a:rPr lang="en-US" smtClean="0"/>
-              <a:t>7/25/2022</a:t>
+            <a:fld id="{2FB9AEF2-ACF4-4651-BE67-6313BA683008}" type="datetime1">
+              <a:rPr lang="en-US" smtClean="0"/>
+              <a:t>8/1/2022</a:t>
             </a:fld>
             <a:endParaRPr lang="en-US"/>
           </a:p>
@@ -1825,6 +2587,10 @@
           <a:bodyPr/>
           <a:lstStyle/>
           <a:p>
+            <a:r>
+              <a:rPr lang="en-US" smtClean="0"/>
+              <a:t>By Smitha S</a:t>
+            </a:r>
             <a:endParaRPr lang="en-US"/>
           </a:p>
         </p:txBody>
@@ -2364,9 +3130,9 @@
           <a:bodyPr/>
           <a:lstStyle/>
           <a:p>
-            <a:fld id="{854D9A68-EE66-42B6-9D11-73B8F04B07BD}" type="datetimeFigureOut">
-              <a:rPr lang="en-US" smtClean="0"/>
-              <a:t>7/25/2022</a:t>
+            <a:fld id="{C9D6FA51-5CB5-4949-ADC4-2CAA25F3EFC0}" type="datetime1">
+              <a:rPr lang="en-US" smtClean="0"/>
+              <a:t>8/1/2022</a:t>
             </a:fld>
             <a:endParaRPr lang="en-US"/>
           </a:p>
@@ -2387,6 +3153,10 @@
           <a:bodyPr/>
           <a:lstStyle/>
           <a:p>
+            <a:r>
+              <a:rPr lang="en-US" smtClean="0"/>
+              <a:t>By Smitha S</a:t>
+            </a:r>
             <a:endParaRPr lang="en-US"/>
           </a:p>
         </p:txBody>
@@ -2691,9 +3461,9 @@
           <a:bodyPr/>
           <a:lstStyle/>
           <a:p>
-            <a:fld id="{854D9A68-EE66-42B6-9D11-73B8F04B07BD}" type="datetimeFigureOut">
-              <a:rPr lang="en-US" smtClean="0"/>
-              <a:t>7/25/2022</a:t>
+            <a:fld id="{90E909A7-2B4F-4827-97D5-713481B6E6A1}" type="datetime1">
+              <a:rPr lang="en-US" smtClean="0"/>
+              <a:t>8/1/2022</a:t>
             </a:fld>
             <a:endParaRPr lang="en-US"/>
           </a:p>
@@ -2714,6 +3484,10 @@
           <a:bodyPr/>
           <a:lstStyle/>
           <a:p>
+            <a:r>
+              <a:rPr lang="en-US" smtClean="0"/>
+              <a:t>By Smitha S</a:t>
+            </a:r>
             <a:endParaRPr lang="en-US"/>
           </a:p>
         </p:txBody>
@@ -2896,9 +3670,9 @@
           <a:bodyPr/>
           <a:lstStyle/>
           <a:p>
-            <a:fld id="{854D9A68-EE66-42B6-9D11-73B8F04B07BD}" type="datetimeFigureOut">
-              <a:rPr lang="en-US" smtClean="0"/>
-              <a:t>7/25/2022</a:t>
+            <a:fld id="{9DE68437-45DC-42D1-BF74-6ECFAD1BE80A}" type="datetime1">
+              <a:rPr lang="en-US" smtClean="0"/>
+              <a:t>8/1/2022</a:t>
             </a:fld>
             <a:endParaRPr lang="en-US"/>
           </a:p>
@@ -2919,6 +3693,10 @@
           <a:bodyPr/>
           <a:lstStyle/>
           <a:p>
+            <a:r>
+              <a:rPr lang="en-US" smtClean="0"/>
+              <a:t>By Smitha S</a:t>
+            </a:r>
             <a:endParaRPr lang="en-US"/>
           </a:p>
         </p:txBody>
@@ -3106,9 +3884,9 @@
           <a:bodyPr/>
           <a:lstStyle/>
           <a:p>
-            <a:fld id="{854D9A68-EE66-42B6-9D11-73B8F04B07BD}" type="datetimeFigureOut">
-              <a:rPr lang="en-US" smtClean="0"/>
-              <a:t>7/25/2022</a:t>
+            <a:fld id="{F4704260-504F-4455-A177-57DED17858DA}" type="datetime1">
+              <a:rPr lang="en-US" smtClean="0"/>
+              <a:t>8/1/2022</a:t>
             </a:fld>
             <a:endParaRPr lang="en-US"/>
           </a:p>
@@ -3129,6 +3907,10 @@
           <a:bodyPr/>
           <a:lstStyle/>
           <a:p>
+            <a:r>
+              <a:rPr lang="en-US" smtClean="0"/>
+              <a:t>By Smitha S</a:t>
+            </a:r>
             <a:endParaRPr lang="en-US"/>
           </a:p>
         </p:txBody>
@@ -3306,9 +4088,9 @@
           <a:bodyPr/>
           <a:lstStyle/>
           <a:p>
-            <a:fld id="{854D9A68-EE66-42B6-9D11-73B8F04B07BD}" type="datetimeFigureOut">
-              <a:rPr lang="en-US" smtClean="0"/>
-              <a:t>7/25/2022</a:t>
+            <a:fld id="{D2303F27-A553-4B4D-B097-DB4189995E9D}" type="datetime1">
+              <a:rPr lang="en-US" smtClean="0"/>
+              <a:t>8/1/2022</a:t>
             </a:fld>
             <a:endParaRPr lang="en-US"/>
           </a:p>
@@ -3329,6 +4111,10 @@
           <a:bodyPr/>
           <a:lstStyle/>
           <a:p>
+            <a:r>
+              <a:rPr lang="en-US" smtClean="0"/>
+              <a:t>By Smitha S</a:t>
+            </a:r>
             <a:endParaRPr lang="en-US"/>
           </a:p>
         </p:txBody>
@@ -3582,9 +4368,9 @@
           <a:bodyPr/>
           <a:lstStyle/>
           <a:p>
-            <a:fld id="{854D9A68-EE66-42B6-9D11-73B8F04B07BD}" type="datetimeFigureOut">
-              <a:rPr lang="en-US" smtClean="0"/>
-              <a:t>7/25/2022</a:t>
+            <a:fld id="{FD65D173-F893-4A98-BD7D-F200280EF47B}" type="datetime1">
+              <a:rPr lang="en-US" smtClean="0"/>
+              <a:t>8/1/2022</a:t>
             </a:fld>
             <a:endParaRPr lang="en-US"/>
           </a:p>
@@ -3605,6 +4391,10 @@
           <a:bodyPr/>
           <a:lstStyle/>
           <a:p>
+            <a:r>
+              <a:rPr lang="en-US" smtClean="0"/>
+              <a:t>By Smitha S</a:t>
+            </a:r>
             <a:endParaRPr lang="en-US"/>
           </a:p>
         </p:txBody>
@@ -3848,9 +4638,9 @@
           <a:bodyPr/>
           <a:lstStyle/>
           <a:p>
-            <a:fld id="{854D9A68-EE66-42B6-9D11-73B8F04B07BD}" type="datetimeFigureOut">
-              <a:rPr lang="en-US" smtClean="0"/>
-              <a:t>7/25/2022</a:t>
+            <a:fld id="{541942AC-4326-4755-9C3D-5206E85446D8}" type="datetime1">
+              <a:rPr lang="en-US" smtClean="0"/>
+              <a:t>8/1/2022</a:t>
             </a:fld>
             <a:endParaRPr lang="en-US"/>
           </a:p>
@@ -3871,6 +4661,10 @@
           <a:bodyPr/>
           <a:lstStyle/>
           <a:p>
+            <a:r>
+              <a:rPr lang="en-US" smtClean="0"/>
+              <a:t>By Smitha S</a:t>
+            </a:r>
             <a:endParaRPr lang="en-US"/>
           </a:p>
         </p:txBody>
@@ -4222,9 +5016,9 @@
           <a:bodyPr/>
           <a:lstStyle/>
           <a:p>
-            <a:fld id="{854D9A68-EE66-42B6-9D11-73B8F04B07BD}" type="datetimeFigureOut">
-              <a:rPr lang="en-US" smtClean="0"/>
-              <a:t>7/25/2022</a:t>
+            <a:fld id="{C21F2879-2377-4E52-9B37-B83DE8F7220D}" type="datetime1">
+              <a:rPr lang="en-US" smtClean="0"/>
+              <a:t>8/1/2022</a:t>
             </a:fld>
             <a:endParaRPr lang="en-US"/>
           </a:p>
@@ -4245,6 +5039,10 @@
           <a:bodyPr/>
           <a:lstStyle/>
           <a:p>
+            <a:r>
+              <a:rPr lang="en-US" smtClean="0"/>
+              <a:t>By Smitha S</a:t>
+            </a:r>
             <a:endParaRPr lang="en-US"/>
           </a:p>
         </p:txBody>
@@ -4370,9 +5168,9 @@
           <a:bodyPr/>
           <a:lstStyle/>
           <a:p>
-            <a:fld id="{854D9A68-EE66-42B6-9D11-73B8F04B07BD}" type="datetimeFigureOut">
-              <a:rPr lang="en-US" smtClean="0"/>
-              <a:t>7/25/2022</a:t>
+            <a:fld id="{C2ECEF64-78A4-4E6A-9A83-324F664C45BB}" type="datetime1">
+              <a:rPr lang="en-US" smtClean="0"/>
+              <a:t>8/1/2022</a:t>
             </a:fld>
             <a:endParaRPr lang="en-US"/>
           </a:p>
@@ -4393,6 +5191,10 @@
           <a:bodyPr/>
           <a:lstStyle/>
           <a:p>
+            <a:r>
+              <a:rPr lang="en-US" smtClean="0"/>
+              <a:t>By Smitha S</a:t>
+            </a:r>
             <a:endParaRPr lang="en-US"/>
           </a:p>
         </p:txBody>
@@ -4495,9 +5297,9 @@
           <a:bodyPr/>
           <a:lstStyle/>
           <a:p>
-            <a:fld id="{854D9A68-EE66-42B6-9D11-73B8F04B07BD}" type="datetimeFigureOut">
-              <a:rPr lang="en-US" smtClean="0"/>
-              <a:t>7/25/2022</a:t>
+            <a:fld id="{1B442DD7-1F44-4E83-A362-7CABA2E52C93}" type="datetime1">
+              <a:rPr lang="en-US" smtClean="0"/>
+              <a:t>8/1/2022</a:t>
             </a:fld>
             <a:endParaRPr lang="en-US"/>
           </a:p>
@@ -4518,6 +5320,10 @@
           <a:bodyPr/>
           <a:lstStyle/>
           <a:p>
+            <a:r>
+              <a:rPr lang="en-US" smtClean="0"/>
+              <a:t>By Smitha S</a:t>
+            </a:r>
             <a:endParaRPr lang="en-US"/>
           </a:p>
         </p:txBody>
@@ -4780,9 +5586,9 @@
           <a:bodyPr/>
           <a:lstStyle/>
           <a:p>
-            <a:fld id="{854D9A68-EE66-42B6-9D11-73B8F04B07BD}" type="datetimeFigureOut">
-              <a:rPr lang="en-US" smtClean="0"/>
-              <a:t>7/25/2022</a:t>
+            <a:fld id="{F4BB6528-5D3F-4657-B9F2-A9F7F53DCEB2}" type="datetime1">
+              <a:rPr lang="en-US" smtClean="0"/>
+              <a:t>8/1/2022</a:t>
             </a:fld>
             <a:endParaRPr lang="en-US"/>
           </a:p>
@@ -4803,6 +5609,10 @@
           <a:bodyPr/>
           <a:lstStyle/>
           <a:p>
+            <a:r>
+              <a:rPr lang="en-US" smtClean="0"/>
+              <a:t>By Smitha S</a:t>
+            </a:r>
             <a:endParaRPr lang="en-US"/>
           </a:p>
         </p:txBody>
@@ -5104,9 +5914,9 @@
           <a:bodyPr/>
           <a:lstStyle/>
           <a:p>
-            <a:fld id="{854D9A68-EE66-42B6-9D11-73B8F04B07BD}" type="datetimeFigureOut">
-              <a:rPr lang="en-US" smtClean="0"/>
-              <a:t>7/25/2022</a:t>
+            <a:fld id="{97C1151E-3FE8-43D5-86D7-0DD5D6BC9BEA}" type="datetime1">
+              <a:rPr lang="en-US" smtClean="0"/>
+              <a:t>8/1/2022</a:t>
             </a:fld>
             <a:endParaRPr lang="en-US"/>
           </a:p>
@@ -5127,6 +5937,10 @@
           <a:bodyPr/>
           <a:lstStyle/>
           <a:p>
+            <a:r>
+              <a:rPr lang="en-US" smtClean="0"/>
+              <a:t>By Smitha S</a:t>
+            </a:r>
             <a:endParaRPr lang="en-US"/>
           </a:p>
         </p:txBody>
@@ -5318,9 +6132,9 @@
             </a:lvl1pPr>
           </a:lstStyle>
           <a:p>
-            <a:fld id="{854D9A68-EE66-42B6-9D11-73B8F04B07BD}" type="datetimeFigureOut">
-              <a:rPr lang="en-US" smtClean="0"/>
-              <a:t>7/25/2022</a:t>
+            <a:fld id="{FF12FF06-232D-44DD-91A4-79019189443B}" type="datetime1">
+              <a:rPr lang="en-US" smtClean="0"/>
+              <a:t>8/1/2022</a:t>
             </a:fld>
             <a:endParaRPr lang="en-US"/>
           </a:p>
@@ -5359,6 +6173,10 @@
             </a:lvl1pPr>
           </a:lstStyle>
           <a:p>
+            <a:r>
+              <a:rPr lang="en-US" smtClean="0"/>
+              <a:t>By Smitha S</a:t>
+            </a:r>
             <a:endParaRPr lang="en-US"/>
           </a:p>
         </p:txBody>
@@ -5431,6 +6249,7 @@
     <p:sldLayoutId id="2147483712" r:id="rId16"/>
     <p:sldLayoutId id="2147483713" r:id="rId17"/>
   </p:sldLayoutIdLst>
+  <p:hf sldNum="0" hdr="0" dt="0"/>
   <p:txStyles>
     <p:titleStyle>
       <a:lvl1pPr algn="l" defTabSz="457200" rtl="0" eaLnBrk="1" latinLnBrk="0" hangingPunct="1">
@@ -5890,6 +6709,42 @@
           </a:p>
         </p:txBody>
       </p:sp>
+      <p:sp>
+        <p:nvSpPr>
+          <p:cNvPr id="5" name="Footer Placeholder 4"/>
+          <p:cNvSpPr>
+            <a:spLocks noGrp="1"/>
+          </p:cNvSpPr>
+          <p:nvPr>
+            <p:ph type="ftr" sz="quarter" idx="11"/>
+          </p:nvPr>
+        </p:nvSpPr>
+        <p:spPr>
+          <a:xfrm>
+            <a:off x="9745021" y="5925166"/>
+            <a:ext cx="4893958" cy="377825"/>
+          </a:xfrm>
+        </p:spPr>
+        <p:txBody>
+          <a:bodyPr/>
+          <a:lstStyle/>
+          <a:p>
+            <a:r>
+              <a:rPr lang="en-US" sz="1400" b="1" dirty="0" smtClean="0"/>
+              <a:t>By </a:t>
+            </a:r>
+            <a:r>
+              <a:rPr lang="en-US" sz="1400" b="1" dirty="0" err="1" smtClean="0"/>
+              <a:t>Smitha</a:t>
+            </a:r>
+            <a:r>
+              <a:rPr lang="en-US" sz="1400" b="1" dirty="0" smtClean="0"/>
+              <a:t> S</a:t>
+            </a:r>
+            <a:endParaRPr lang="en-US" sz="1400" b="1" dirty="0"/>
+          </a:p>
+        </p:txBody>
+      </p:sp>
     </p:spTree>
     <p:extLst>
       <p:ext uri="{BB962C8B-B14F-4D97-AF65-F5344CB8AC3E}">
@@ -6020,6 +6875,42 @@
           </a:p>
         </p:txBody>
       </p:sp>
+      <p:sp>
+        <p:nvSpPr>
+          <p:cNvPr id="6" name="Footer Placeholder 4"/>
+          <p:cNvSpPr>
+            <a:spLocks noGrp="1"/>
+          </p:cNvSpPr>
+          <p:nvPr>
+            <p:ph type="ftr" sz="quarter" idx="11"/>
+          </p:nvPr>
+        </p:nvSpPr>
+        <p:spPr>
+          <a:xfrm>
+            <a:off x="9745021" y="5925166"/>
+            <a:ext cx="4893958" cy="377825"/>
+          </a:xfrm>
+        </p:spPr>
+        <p:txBody>
+          <a:bodyPr/>
+          <a:lstStyle/>
+          <a:p>
+            <a:r>
+              <a:rPr lang="en-US" sz="1400" b="1" dirty="0" smtClean="0"/>
+              <a:t>By </a:t>
+            </a:r>
+            <a:r>
+              <a:rPr lang="en-US" sz="1400" b="1" dirty="0" err="1" smtClean="0"/>
+              <a:t>Smitha</a:t>
+            </a:r>
+            <a:r>
+              <a:rPr lang="en-US" sz="1400" b="1" dirty="0" smtClean="0"/>
+              <a:t> S</a:t>
+            </a:r>
+            <a:endParaRPr lang="en-US" sz="1400" b="1" dirty="0"/>
+          </a:p>
+        </p:txBody>
+      </p:sp>
     </p:spTree>
     <p:extLst>
       <p:ext uri="{BB962C8B-B14F-4D97-AF65-F5344CB8AC3E}">
@@ -6143,6 +7034,42 @@
           </a:p>
         </p:txBody>
       </p:sp>
+      <p:sp>
+        <p:nvSpPr>
+          <p:cNvPr id="6" name="Footer Placeholder 4"/>
+          <p:cNvSpPr>
+            <a:spLocks noGrp="1"/>
+          </p:cNvSpPr>
+          <p:nvPr>
+            <p:ph type="ftr" sz="quarter" idx="11"/>
+          </p:nvPr>
+        </p:nvSpPr>
+        <p:spPr>
+          <a:xfrm>
+            <a:off x="9745021" y="5925166"/>
+            <a:ext cx="4893958" cy="377825"/>
+          </a:xfrm>
+        </p:spPr>
+        <p:txBody>
+          <a:bodyPr/>
+          <a:lstStyle/>
+          <a:p>
+            <a:r>
+              <a:rPr lang="en-US" sz="1400" b="1" dirty="0" smtClean="0"/>
+              <a:t>By </a:t>
+            </a:r>
+            <a:r>
+              <a:rPr lang="en-US" sz="1400" b="1" dirty="0" err="1" smtClean="0"/>
+              <a:t>Smitha</a:t>
+            </a:r>
+            <a:r>
+              <a:rPr lang="en-US" sz="1400" b="1" dirty="0" smtClean="0"/>
+              <a:t> S</a:t>
+            </a:r>
+            <a:endParaRPr lang="en-US" sz="1400" b="1" dirty="0"/>
+          </a:p>
+        </p:txBody>
+      </p:sp>
     </p:spTree>
     <p:extLst>
       <p:ext uri="{BB962C8B-B14F-4D97-AF65-F5344CB8AC3E}">
@@ -6225,6 +7152,42 @@
           </a:xfrm>
         </p:spPr>
       </p:pic>
+      <p:sp>
+        <p:nvSpPr>
+          <p:cNvPr id="7" name="Footer Placeholder 4"/>
+          <p:cNvSpPr>
+            <a:spLocks noGrp="1"/>
+          </p:cNvSpPr>
+          <p:nvPr>
+            <p:ph type="ftr" sz="quarter" idx="11"/>
+          </p:nvPr>
+        </p:nvSpPr>
+        <p:spPr>
+          <a:xfrm>
+            <a:off x="10372818" y="6330462"/>
+            <a:ext cx="4893958" cy="377825"/>
+          </a:xfrm>
+        </p:spPr>
+        <p:txBody>
+          <a:bodyPr/>
+          <a:lstStyle/>
+          <a:p>
+            <a:r>
+              <a:rPr lang="en-US" sz="1400" b="1" dirty="0" smtClean="0"/>
+              <a:t>By </a:t>
+            </a:r>
+            <a:r>
+              <a:rPr lang="en-US" sz="1400" b="1" dirty="0" err="1" smtClean="0"/>
+              <a:t>Smitha</a:t>
+            </a:r>
+            <a:r>
+              <a:rPr lang="en-US" sz="1400" b="1" dirty="0" smtClean="0"/>
+              <a:t> S</a:t>
+            </a:r>
+            <a:endParaRPr lang="en-US" sz="1400" b="1" dirty="0"/>
+          </a:p>
+        </p:txBody>
+      </p:sp>
     </p:spTree>
     <p:extLst>
       <p:ext uri="{BB962C8B-B14F-4D97-AF65-F5344CB8AC3E}">
@@ -6320,7 +7283,42 @@
               <a:rPr lang="en-US" dirty="0"/>
               <a:t>As the programmer writes commands, Cypress executes them in real-time, providing visual feedback as they run.</a:t>
             </a:r>
-            <a:endParaRPr lang="en-US" dirty="0"/>
+          </a:p>
+        </p:txBody>
+      </p:sp>
+      <p:sp>
+        <p:nvSpPr>
+          <p:cNvPr id="6" name="Footer Placeholder 4"/>
+          <p:cNvSpPr>
+            <a:spLocks noGrp="1"/>
+          </p:cNvSpPr>
+          <p:nvPr>
+            <p:ph type="ftr" sz="quarter" idx="11"/>
+          </p:nvPr>
+        </p:nvSpPr>
+        <p:spPr>
+          <a:xfrm>
+            <a:off x="9745021" y="5925166"/>
+            <a:ext cx="4893958" cy="377825"/>
+          </a:xfrm>
+        </p:spPr>
+        <p:txBody>
+          <a:bodyPr/>
+          <a:lstStyle/>
+          <a:p>
+            <a:r>
+              <a:rPr lang="en-US" sz="1400" b="1" dirty="0" smtClean="0"/>
+              <a:t>By </a:t>
+            </a:r>
+            <a:r>
+              <a:rPr lang="en-US" sz="1400" b="1" dirty="0" err="1" smtClean="0"/>
+              <a:t>Smitha</a:t>
+            </a:r>
+            <a:r>
+              <a:rPr lang="en-US" sz="1400" b="1" dirty="0" smtClean="0"/>
+              <a:t> S</a:t>
+            </a:r>
+            <a:endParaRPr lang="en-US" sz="1400" b="1" dirty="0"/>
           </a:p>
         </p:txBody>
       </p:sp>
@@ -6417,11 +7415,7 @@
           <a:p>
             <a:r>
               <a:rPr lang="en-US" dirty="0" smtClean="0"/>
-              <a:t>It only support mocha </a:t>
-            </a:r>
-            <a:r>
-              <a:rPr lang="en-US" dirty="0" smtClean="0"/>
-              <a:t>framework</a:t>
+              <a:t>It only support mocha framework</a:t>
             </a:r>
           </a:p>
           <a:p>
@@ -6441,6 +7435,42 @@
           </a:p>
           <a:p>
             <a:endParaRPr lang="en-US" dirty="0"/>
+          </a:p>
+        </p:txBody>
+      </p:sp>
+      <p:sp>
+        <p:nvSpPr>
+          <p:cNvPr id="6" name="Footer Placeholder 4"/>
+          <p:cNvSpPr>
+            <a:spLocks noGrp="1"/>
+          </p:cNvSpPr>
+          <p:nvPr>
+            <p:ph type="ftr" sz="quarter" idx="11"/>
+          </p:nvPr>
+        </p:nvSpPr>
+        <p:spPr>
+          <a:xfrm>
+            <a:off x="9745021" y="5925166"/>
+            <a:ext cx="4893958" cy="377825"/>
+          </a:xfrm>
+        </p:spPr>
+        <p:txBody>
+          <a:bodyPr/>
+          <a:lstStyle/>
+          <a:p>
+            <a:r>
+              <a:rPr lang="en-US" sz="1400" b="1" dirty="0" smtClean="0"/>
+              <a:t>By </a:t>
+            </a:r>
+            <a:r>
+              <a:rPr lang="en-US" sz="1400" b="1" dirty="0" err="1" smtClean="0"/>
+              <a:t>Smitha</a:t>
+            </a:r>
+            <a:r>
+              <a:rPr lang="en-US" sz="1400" b="1" dirty="0" smtClean="0"/>
+              <a:t> S</a:t>
+            </a:r>
+            <a:endParaRPr lang="en-US" sz="1400" b="1" dirty="0"/>
           </a:p>
         </p:txBody>
       </p:sp>
@@ -6448,6 +7478,100 @@
     <p:extLst>
       <p:ext uri="{BB962C8B-B14F-4D97-AF65-F5344CB8AC3E}">
         <p14:creationId xmlns:p14="http://schemas.microsoft.com/office/powerpoint/2010/main" val="3497566215"/>
+      </p:ext>
+    </p:extLst>
+  </p:cSld>
+  <p:clrMapOvr>
+    <a:masterClrMapping/>
+  </p:clrMapOvr>
+</p:sld>
+</file>
+
+<file path=ppt/slides/slide7.xml><?xml version="1.0" encoding="utf-8"?>
+<p:sld xmlns:a="http://schemas.openxmlformats.org/drawingml/2006/main" xmlns:r="http://schemas.openxmlformats.org/officeDocument/2006/relationships" xmlns:p="http://schemas.openxmlformats.org/presentationml/2006/main">
+  <p:cSld>
+    <p:spTree>
+      <p:nvGrpSpPr>
+        <p:cNvPr id="1" name=""/>
+        <p:cNvGrpSpPr/>
+        <p:nvPr/>
+      </p:nvGrpSpPr>
+      <p:grpSpPr>
+        <a:xfrm>
+          <a:off x="0" y="0"/>
+          <a:ext cx="0" cy="0"/>
+          <a:chOff x="0" y="0"/>
+          <a:chExt cx="0" cy="0"/>
+        </a:xfrm>
+      </p:grpSpPr>
+      <p:sp>
+        <p:nvSpPr>
+          <p:cNvPr id="2" name="Title 1"/>
+          <p:cNvSpPr>
+            <a:spLocks noGrp="1"/>
+          </p:cNvSpPr>
+          <p:nvPr>
+            <p:ph type="title"/>
+          </p:nvPr>
+        </p:nvSpPr>
+        <p:spPr>
+          <a:xfrm rot="19777316">
+            <a:off x="1" y="609600"/>
+            <a:ext cx="11982734" cy="5873087"/>
+          </a:xfrm>
+        </p:spPr>
+        <p:txBody>
+          <a:bodyPr/>
+          <a:lstStyle/>
+          <a:p>
+            <a:r>
+              <a:rPr lang="en-US" b="1" dirty="0" smtClean="0"/>
+              <a:t>										Thank you</a:t>
+            </a:r>
+            <a:endParaRPr lang="en-US" b="1" dirty="0"/>
+          </a:p>
+        </p:txBody>
+      </p:sp>
+      <p:sp>
+        <p:nvSpPr>
+          <p:cNvPr id="6" name="Footer Placeholder 4"/>
+          <p:cNvSpPr>
+            <a:spLocks noGrp="1"/>
+          </p:cNvSpPr>
+          <p:nvPr>
+            <p:ph type="ftr" sz="quarter" idx="11"/>
+          </p:nvPr>
+        </p:nvSpPr>
+        <p:spPr>
+          <a:xfrm>
+            <a:off x="9500722" y="6275804"/>
+            <a:ext cx="4893958" cy="377825"/>
+          </a:xfrm>
+        </p:spPr>
+        <p:txBody>
+          <a:bodyPr/>
+          <a:lstStyle/>
+          <a:p>
+            <a:r>
+              <a:rPr lang="en-US" sz="1400" b="1" dirty="0" smtClean="0"/>
+              <a:t>By </a:t>
+            </a:r>
+            <a:r>
+              <a:rPr lang="en-US" sz="1400" b="1" dirty="0" err="1" smtClean="0"/>
+              <a:t>Smitha</a:t>
+            </a:r>
+            <a:r>
+              <a:rPr lang="en-US" sz="1400" b="1" dirty="0" smtClean="0"/>
+              <a:t> S</a:t>
+            </a:r>
+            <a:endParaRPr lang="en-US" sz="1400" b="1" dirty="0"/>
+          </a:p>
+        </p:txBody>
+      </p:sp>
+    </p:spTree>
+    <p:extLst>
+      <p:ext uri="{BB962C8B-B14F-4D97-AF65-F5344CB8AC3E}">
+        <p14:creationId xmlns:p14="http://schemas.microsoft.com/office/powerpoint/2010/main" val="2382450938"/>
       </p:ext>
     </p:extLst>
   </p:cSld>
@@ -6704,4 +7828,526 @@
     </a:ext>
   </a:extLst>
 </a:theme>
+</file>
+
+<file path=ppt/theme/theme2.xml><?xml version="1.0" encoding="utf-8"?>
+<a:theme xmlns:a="http://schemas.openxmlformats.org/drawingml/2006/main" name="Office Theme">
+  <a:themeElements>
+    <a:clrScheme name="Office">
+      <a:dk1>
+        <a:sysClr val="windowText" lastClr="000000"/>
+      </a:dk1>
+      <a:lt1>
+        <a:sysClr val="window" lastClr="FFFFFF"/>
+      </a:lt1>
+      <a:dk2>
+        <a:srgbClr val="44546A"/>
+      </a:dk2>
+      <a:lt2>
+        <a:srgbClr val="E7E6E6"/>
+      </a:lt2>
+      <a:accent1>
+        <a:srgbClr val="5B9BD5"/>
+      </a:accent1>
+      <a:accent2>
+        <a:srgbClr val="ED7D31"/>
+      </a:accent2>
+      <a:accent3>
+        <a:srgbClr val="A5A5A5"/>
+      </a:accent3>
+      <a:accent4>
+        <a:srgbClr val="FFC000"/>
+      </a:accent4>
+      <a:accent5>
+        <a:srgbClr val="4472C4"/>
+      </a:accent5>
+      <a:accent6>
+        <a:srgbClr val="70AD47"/>
+      </a:accent6>
+      <a:hlink>
+        <a:srgbClr val="0563C1"/>
+      </a:hlink>
+      <a:folHlink>
+        <a:srgbClr val="954F72"/>
+      </a:folHlink>
+    </a:clrScheme>
+    <a:fontScheme name="Office">
+      <a:majorFont>
+        <a:latin typeface="Calibri Light" panose="020F0302020204030204"/>
+        <a:ea typeface=""/>
+        <a:cs typeface=""/>
+        <a:font script="Jpan" typeface="ＭＳ Ｐゴシック"/>
+        <a:font script="Hang" typeface="맑은 고딕"/>
+        <a:font script="Hans" typeface="宋体"/>
+        <a:font script="Hant" typeface="新細明體"/>
+        <a:font script="Arab" typeface="Times New Roman"/>
+        <a:font script="Hebr" typeface="Times New Roman"/>
+        <a:font script="Thai" typeface="Angsana New"/>
+        <a:font script="Ethi" typeface="Nyala"/>
+        <a:font script="Beng" typeface="Vrinda"/>
+        <a:font script="Gujr" typeface="Shruti"/>
+        <a:font script="Khmr" typeface="MoolBoran"/>
+        <a:font script="Knda" typeface="Tunga"/>
+        <a:font script="Guru" typeface="Raavi"/>
+        <a:font script="Cans" typeface="Euphemia"/>
+        <a:font script="Cher" typeface="Plantagenet Cherokee"/>
+        <a:font script="Yiii" typeface="Microsoft Yi Baiti"/>
+        <a:font script="Tibt" typeface="Microsoft Himalaya"/>
+        <a:font script="Thaa" typeface="MV Boli"/>
+        <a:font script="Deva" typeface="Mangal"/>
+        <a:font script="Telu" typeface="Gautami"/>
+        <a:font script="Taml" typeface="Latha"/>
+        <a:font script="Syrc" typeface="Estrangelo Edessa"/>
+        <a:font script="Orya" typeface="Kalinga"/>
+        <a:font script="Mlym" typeface="Kartika"/>
+        <a:font script="Laoo" typeface="DokChampa"/>
+        <a:font script="Sinh" typeface="Iskoola Pota"/>
+        <a:font script="Mong" typeface="Mongolian Baiti"/>
+        <a:font script="Viet" typeface="Times New Roman"/>
+        <a:font script="Uigh" typeface="Microsoft Uighur"/>
+        <a:font script="Geor" typeface="Sylfaen"/>
+      </a:majorFont>
+      <a:minorFont>
+        <a:latin typeface="Calibri" panose="020F0502020204030204"/>
+        <a:ea typeface=""/>
+        <a:cs typeface=""/>
+        <a:font script="Jpan" typeface="ＭＳ Ｐゴシック"/>
+        <a:font script="Hang" typeface="맑은 고딕"/>
+        <a:font script="Hans" typeface="宋体"/>
+        <a:font script="Hant" typeface="新細明體"/>
+        <a:font script="Arab" typeface="Arial"/>
+        <a:font script="Hebr" typeface="Arial"/>
+        <a:font script="Thai" typeface="Cordia New"/>
+        <a:font script="Ethi" typeface="Nyala"/>
+        <a:font script="Beng" typeface="Vrinda"/>
+        <a:font script="Gujr" typeface="Shruti"/>
+        <a:font script="Khmr" typeface="DaunPenh"/>
+        <a:font script="Knda" typeface="Tunga"/>
+        <a:font script="Guru" typeface="Raavi"/>
+        <a:font script="Cans" typeface="Euphemia"/>
+        <a:font script="Cher" typeface="Plantagenet Cherokee"/>
+        <a:font script="Yiii" typeface="Microsoft Yi Baiti"/>
+        <a:font script="Tibt" typeface="Microsoft Himalaya"/>
+        <a:font script="Thaa" typeface="MV Boli"/>
+        <a:font script="Deva" typeface="Mangal"/>
+        <a:font script="Telu" typeface="Gautami"/>
+        <a:font script="Taml" typeface="Latha"/>
+        <a:font script="Syrc" typeface="Estrangelo Edessa"/>
+        <a:font script="Orya" typeface="Kalinga"/>
+        <a:font script="Mlym" typeface="Kartika"/>
+        <a:font script="Laoo" typeface="DokChampa"/>
+        <a:font script="Sinh" typeface="Iskoola Pota"/>
+        <a:font script="Mong" typeface="Mongolian Baiti"/>
+        <a:font script="Viet" typeface="Arial"/>
+        <a:font script="Uigh" typeface="Microsoft Uighur"/>
+        <a:font script="Geor" typeface="Sylfaen"/>
+      </a:minorFont>
+    </a:fontScheme>
+    <a:fmtScheme name="Office">
+      <a:fillStyleLst>
+        <a:solidFill>
+          <a:schemeClr val="phClr"/>
+        </a:solidFill>
+        <a:gradFill rotWithShape="1">
+          <a:gsLst>
+            <a:gs pos="0">
+              <a:schemeClr val="phClr">
+                <a:lumMod val="110000"/>
+                <a:satMod val="105000"/>
+                <a:tint val="67000"/>
+              </a:schemeClr>
+            </a:gs>
+            <a:gs pos="50000">
+              <a:schemeClr val="phClr">
+                <a:lumMod val="105000"/>
+                <a:satMod val="103000"/>
+                <a:tint val="73000"/>
+              </a:schemeClr>
+            </a:gs>
+            <a:gs pos="100000">
+              <a:schemeClr val="phClr">
+                <a:lumMod val="105000"/>
+                <a:satMod val="109000"/>
+                <a:tint val="81000"/>
+              </a:schemeClr>
+            </a:gs>
+          </a:gsLst>
+          <a:lin ang="5400000" scaled="0"/>
+        </a:gradFill>
+        <a:gradFill rotWithShape="1">
+          <a:gsLst>
+            <a:gs pos="0">
+              <a:schemeClr val="phClr">
+                <a:satMod val="103000"/>
+                <a:lumMod val="102000"/>
+                <a:tint val="94000"/>
+              </a:schemeClr>
+            </a:gs>
+            <a:gs pos="50000">
+              <a:schemeClr val="phClr">
+                <a:satMod val="110000"/>
+                <a:lumMod val="100000"/>
+                <a:shade val="100000"/>
+              </a:schemeClr>
+            </a:gs>
+            <a:gs pos="100000">
+              <a:schemeClr val="phClr">
+                <a:lumMod val="99000"/>
+                <a:satMod val="120000"/>
+                <a:shade val="78000"/>
+              </a:schemeClr>
+            </a:gs>
+          </a:gsLst>
+          <a:lin ang="5400000" scaled="0"/>
+        </a:gradFill>
+      </a:fillStyleLst>
+      <a:lnStyleLst>
+        <a:ln w="6350" cap="flat" cmpd="sng" algn="ctr">
+          <a:solidFill>
+            <a:schemeClr val="phClr"/>
+          </a:solidFill>
+          <a:prstDash val="solid"/>
+          <a:miter lim="800000"/>
+        </a:ln>
+        <a:ln w="12700" cap="flat" cmpd="sng" algn="ctr">
+          <a:solidFill>
+            <a:schemeClr val="phClr"/>
+          </a:solidFill>
+          <a:prstDash val="solid"/>
+          <a:miter lim="800000"/>
+        </a:ln>
+        <a:ln w="19050" cap="flat" cmpd="sng" algn="ctr">
+          <a:solidFill>
+            <a:schemeClr val="phClr"/>
+          </a:solidFill>
+          <a:prstDash val="solid"/>
+          <a:miter lim="800000"/>
+        </a:ln>
+      </a:lnStyleLst>
+      <a:effectStyleLst>
+        <a:effectStyle>
+          <a:effectLst/>
+        </a:effectStyle>
+        <a:effectStyle>
+          <a:effectLst/>
+        </a:effectStyle>
+        <a:effectStyle>
+          <a:effectLst>
+            <a:outerShdw blurRad="57150" dist="19050" dir="5400000" algn="ctr" rotWithShape="0">
+              <a:srgbClr val="000000">
+                <a:alpha val="63000"/>
+              </a:srgbClr>
+            </a:outerShdw>
+          </a:effectLst>
+        </a:effectStyle>
+      </a:effectStyleLst>
+      <a:bgFillStyleLst>
+        <a:solidFill>
+          <a:schemeClr val="phClr"/>
+        </a:solidFill>
+        <a:solidFill>
+          <a:schemeClr val="phClr">
+            <a:tint val="95000"/>
+            <a:satMod val="170000"/>
+          </a:schemeClr>
+        </a:solidFill>
+        <a:gradFill rotWithShape="1">
+          <a:gsLst>
+            <a:gs pos="0">
+              <a:schemeClr val="phClr">
+                <a:tint val="93000"/>
+                <a:satMod val="150000"/>
+                <a:shade val="98000"/>
+                <a:lumMod val="102000"/>
+              </a:schemeClr>
+            </a:gs>
+            <a:gs pos="50000">
+              <a:schemeClr val="phClr">
+                <a:tint val="98000"/>
+                <a:satMod val="130000"/>
+                <a:shade val="90000"/>
+                <a:lumMod val="103000"/>
+              </a:schemeClr>
+            </a:gs>
+            <a:gs pos="100000">
+              <a:schemeClr val="phClr">
+                <a:shade val="63000"/>
+                <a:satMod val="120000"/>
+              </a:schemeClr>
+            </a:gs>
+          </a:gsLst>
+          <a:lin ang="5400000" scaled="0"/>
+        </a:gradFill>
+      </a:bgFillStyleLst>
+    </a:fmtScheme>
+  </a:themeElements>
+  <a:objectDefaults/>
+  <a:extraClrSchemeLst/>
+  <a:extLst>
+    <a:ext uri="{05A4C25C-085E-4340-85A3-A5531E510DB2}">
+      <thm15:themeFamily xmlns:thm15="http://schemas.microsoft.com/office/thememl/2012/main" name="Office Theme" id="{62F939B6-93AF-4DB8-9C6B-D6C7DFDC589F}" vid="{4A3C46E8-61CC-4603-A589-7422A47A8E4A}"/>
+    </a:ext>
+  </a:extLst>
+</a:theme>
+</file>
+
+<file path=ppt/theme/theme3.xml><?xml version="1.0" encoding="utf-8"?>
+<a:theme xmlns:a="http://schemas.openxmlformats.org/drawingml/2006/main" name="Office Theme">
+  <a:themeElements>
+    <a:clrScheme name="Office">
+      <a:dk1>
+        <a:sysClr val="windowText" lastClr="000000"/>
+      </a:dk1>
+      <a:lt1>
+        <a:sysClr val="window" lastClr="FFFFFF"/>
+      </a:lt1>
+      <a:dk2>
+        <a:srgbClr val="44546A"/>
+      </a:dk2>
+      <a:lt2>
+        <a:srgbClr val="E7E6E6"/>
+      </a:lt2>
+      <a:accent1>
+        <a:srgbClr val="5B9BD5"/>
+      </a:accent1>
+      <a:accent2>
+        <a:srgbClr val="ED7D31"/>
+      </a:accent2>
+      <a:accent3>
+        <a:srgbClr val="A5A5A5"/>
+      </a:accent3>
+      <a:accent4>
+        <a:srgbClr val="FFC000"/>
+      </a:accent4>
+      <a:accent5>
+        <a:srgbClr val="4472C4"/>
+      </a:accent5>
+      <a:accent6>
+        <a:srgbClr val="70AD47"/>
+      </a:accent6>
+      <a:hlink>
+        <a:srgbClr val="0563C1"/>
+      </a:hlink>
+      <a:folHlink>
+        <a:srgbClr val="954F72"/>
+      </a:folHlink>
+    </a:clrScheme>
+    <a:fontScheme name="Office">
+      <a:majorFont>
+        <a:latin typeface="Calibri Light" panose="020F0302020204030204"/>
+        <a:ea typeface=""/>
+        <a:cs typeface=""/>
+        <a:font script="Jpan" typeface="ＭＳ Ｐゴシック"/>
+        <a:font script="Hang" typeface="맑은 고딕"/>
+        <a:font script="Hans" typeface="宋体"/>
+        <a:font script="Hant" typeface="新細明體"/>
+        <a:font script="Arab" typeface="Times New Roman"/>
+        <a:font script="Hebr" typeface="Times New Roman"/>
+        <a:font script="Thai" typeface="Angsana New"/>
+        <a:font script="Ethi" typeface="Nyala"/>
+        <a:font script="Beng" typeface="Vrinda"/>
+        <a:font script="Gujr" typeface="Shruti"/>
+        <a:font script="Khmr" typeface="MoolBoran"/>
+        <a:font script="Knda" typeface="Tunga"/>
+        <a:font script="Guru" typeface="Raavi"/>
+        <a:font script="Cans" typeface="Euphemia"/>
+        <a:font script="Cher" typeface="Plantagenet Cherokee"/>
+        <a:font script="Yiii" typeface="Microsoft Yi Baiti"/>
+        <a:font script="Tibt" typeface="Microsoft Himalaya"/>
+        <a:font script="Thaa" typeface="MV Boli"/>
+        <a:font script="Deva" typeface="Mangal"/>
+        <a:font script="Telu" typeface="Gautami"/>
+        <a:font script="Taml" typeface="Latha"/>
+        <a:font script="Syrc" typeface="Estrangelo Edessa"/>
+        <a:font script="Orya" typeface="Kalinga"/>
+        <a:font script="Mlym" typeface="Kartika"/>
+        <a:font script="Laoo" typeface="DokChampa"/>
+        <a:font script="Sinh" typeface="Iskoola Pota"/>
+        <a:font script="Mong" typeface="Mongolian Baiti"/>
+        <a:font script="Viet" typeface="Times New Roman"/>
+        <a:font script="Uigh" typeface="Microsoft Uighur"/>
+        <a:font script="Geor" typeface="Sylfaen"/>
+      </a:majorFont>
+      <a:minorFont>
+        <a:latin typeface="Calibri" panose="020F0502020204030204"/>
+        <a:ea typeface=""/>
+        <a:cs typeface=""/>
+        <a:font script="Jpan" typeface="ＭＳ Ｐゴシック"/>
+        <a:font script="Hang" typeface="맑은 고딕"/>
+        <a:font script="Hans" typeface="宋体"/>
+        <a:font script="Hant" typeface="新細明體"/>
+        <a:font script="Arab" typeface="Arial"/>
+        <a:font script="Hebr" typeface="Arial"/>
+        <a:font script="Thai" typeface="Cordia New"/>
+        <a:font script="Ethi" typeface="Nyala"/>
+        <a:font script="Beng" typeface="Vrinda"/>
+        <a:font script="Gujr" typeface="Shruti"/>
+        <a:font script="Khmr" typeface="DaunPenh"/>
+        <a:font script="Knda" typeface="Tunga"/>
+        <a:font script="Guru" typeface="Raavi"/>
+        <a:font script="Cans" typeface="Euphemia"/>
+        <a:font script="Cher" typeface="Plantagenet Cherokee"/>
+        <a:font script="Yiii" typeface="Microsoft Yi Baiti"/>
+        <a:font script="Tibt" typeface="Microsoft Himalaya"/>
+        <a:font script="Thaa" typeface="MV Boli"/>
+        <a:font script="Deva" typeface="Mangal"/>
+        <a:font script="Telu" typeface="Gautami"/>
+        <a:font script="Taml" typeface="Latha"/>
+        <a:font script="Syrc" typeface="Estrangelo Edessa"/>
+        <a:font script="Orya" typeface="Kalinga"/>
+        <a:font script="Mlym" typeface="Kartika"/>
+        <a:font script="Laoo" typeface="DokChampa"/>
+        <a:font script="Sinh" typeface="Iskoola Pota"/>
+        <a:font script="Mong" typeface="Mongolian Baiti"/>
+        <a:font script="Viet" typeface="Arial"/>
+        <a:font script="Uigh" typeface="Microsoft Uighur"/>
+        <a:font script="Geor" typeface="Sylfaen"/>
+      </a:minorFont>
+    </a:fontScheme>
+    <a:fmtScheme name="Office">
+      <a:fillStyleLst>
+        <a:solidFill>
+          <a:schemeClr val="phClr"/>
+        </a:solidFill>
+        <a:gradFill rotWithShape="1">
+          <a:gsLst>
+            <a:gs pos="0">
+              <a:schemeClr val="phClr">
+                <a:lumMod val="110000"/>
+                <a:satMod val="105000"/>
+                <a:tint val="67000"/>
+              </a:schemeClr>
+            </a:gs>
+            <a:gs pos="50000">
+              <a:schemeClr val="phClr">
+                <a:lumMod val="105000"/>
+                <a:satMod val="103000"/>
+                <a:tint val="73000"/>
+              </a:schemeClr>
+            </a:gs>
+            <a:gs pos="100000">
+              <a:schemeClr val="phClr">
+                <a:lumMod val="105000"/>
+                <a:satMod val="109000"/>
+                <a:tint val="81000"/>
+              </a:schemeClr>
+            </a:gs>
+          </a:gsLst>
+          <a:lin ang="5400000" scaled="0"/>
+        </a:gradFill>
+        <a:gradFill rotWithShape="1">
+          <a:gsLst>
+            <a:gs pos="0">
+              <a:schemeClr val="phClr">
+                <a:satMod val="103000"/>
+                <a:lumMod val="102000"/>
+                <a:tint val="94000"/>
+              </a:schemeClr>
+            </a:gs>
+            <a:gs pos="50000">
+              <a:schemeClr val="phClr">
+                <a:satMod val="110000"/>
+                <a:lumMod val="100000"/>
+                <a:shade val="100000"/>
+              </a:schemeClr>
+            </a:gs>
+            <a:gs pos="100000">
+              <a:schemeClr val="phClr">
+                <a:lumMod val="99000"/>
+                <a:satMod val="120000"/>
+                <a:shade val="78000"/>
+              </a:schemeClr>
+            </a:gs>
+          </a:gsLst>
+          <a:lin ang="5400000" scaled="0"/>
+        </a:gradFill>
+      </a:fillStyleLst>
+      <a:lnStyleLst>
+        <a:ln w="6350" cap="flat" cmpd="sng" algn="ctr">
+          <a:solidFill>
+            <a:schemeClr val="phClr"/>
+          </a:solidFill>
+          <a:prstDash val="solid"/>
+          <a:miter lim="800000"/>
+        </a:ln>
+        <a:ln w="12700" cap="flat" cmpd="sng" algn="ctr">
+          <a:solidFill>
+            <a:schemeClr val="phClr"/>
+          </a:solidFill>
+          <a:prstDash val="solid"/>
+          <a:miter lim="800000"/>
+        </a:ln>
+        <a:ln w="19050" cap="flat" cmpd="sng" algn="ctr">
+          <a:solidFill>
+            <a:schemeClr val="phClr"/>
+          </a:solidFill>
+          <a:prstDash val="solid"/>
+          <a:miter lim="800000"/>
+        </a:ln>
+      </a:lnStyleLst>
+      <a:effectStyleLst>
+        <a:effectStyle>
+          <a:effectLst/>
+        </a:effectStyle>
+        <a:effectStyle>
+          <a:effectLst/>
+        </a:effectStyle>
+        <a:effectStyle>
+          <a:effectLst>
+            <a:outerShdw blurRad="57150" dist="19050" dir="5400000" algn="ctr" rotWithShape="0">
+              <a:srgbClr val="000000">
+                <a:alpha val="63000"/>
+              </a:srgbClr>
+            </a:outerShdw>
+          </a:effectLst>
+        </a:effectStyle>
+      </a:effectStyleLst>
+      <a:bgFillStyleLst>
+        <a:solidFill>
+          <a:schemeClr val="phClr"/>
+        </a:solidFill>
+        <a:solidFill>
+          <a:schemeClr val="phClr">
+            <a:tint val="95000"/>
+            <a:satMod val="170000"/>
+          </a:schemeClr>
+        </a:solidFill>
+        <a:gradFill rotWithShape="1">
+          <a:gsLst>
+            <a:gs pos="0">
+              <a:schemeClr val="phClr">
+                <a:tint val="93000"/>
+                <a:satMod val="150000"/>
+                <a:shade val="98000"/>
+                <a:lumMod val="102000"/>
+              </a:schemeClr>
+            </a:gs>
+            <a:gs pos="50000">
+              <a:schemeClr val="phClr">
+                <a:tint val="98000"/>
+                <a:satMod val="130000"/>
+                <a:shade val="90000"/>
+                <a:lumMod val="103000"/>
+              </a:schemeClr>
+            </a:gs>
+            <a:gs pos="100000">
+              <a:schemeClr val="phClr">
+                <a:shade val="63000"/>
+                <a:satMod val="120000"/>
+              </a:schemeClr>
+            </a:gs>
+          </a:gsLst>
+          <a:lin ang="5400000" scaled="0"/>
+        </a:gradFill>
+      </a:bgFillStyleLst>
+    </a:fmtScheme>
+  </a:themeElements>
+  <a:objectDefaults/>
+  <a:extraClrSchemeLst/>
+  <a:extLst>
+    <a:ext uri="{05A4C25C-085E-4340-85A3-A5531E510DB2}">
+      <thm15:themeFamily xmlns:thm15="http://schemas.microsoft.com/office/thememl/2012/main" name="Office Theme" id="{62F939B6-93AF-4DB8-9C6B-D6C7DFDC589F}" vid="{4A3C46E8-61CC-4603-A589-7422A47A8E4A}"/>
+    </a:ext>
+  </a:extLst>
+</a:theme>
 </file>